--- a/Lecture/Data Visualization/Data_Visualization_Lecture.pptx
+++ b/Lecture/Data Visualization/Data_Visualization_Lecture.pptx
@@ -284,7 +284,7 @@
               <a:pPr>
                 <a:defRPr/>
               </a:pPr>
-              <a:t>6/24/2019</a:t>
+              <a:t>8/12/2020</a:t>
             </a:fld>
             <a:endParaRPr lang="en-US" dirty="0"/>
           </a:p>
@@ -496,7 +496,7 @@
               <a:pPr>
                 <a:defRPr/>
               </a:pPr>
-              <a:t>6/24/2019</a:t>
+              <a:t>8/12/2020</a:t>
             </a:fld>
             <a:endParaRPr lang="en-US" dirty="0"/>
           </a:p>
@@ -1015,7 +1015,7 @@
               <a:pPr>
                 <a:defRPr/>
               </a:pPr>
-              <a:t>6/24/2019</a:t>
+              <a:t>8/12/2020</a:t>
             </a:fld>
             <a:endParaRPr lang="en-US" dirty="0"/>
           </a:p>
@@ -1205,7 +1205,7 @@
               <a:pPr>
                 <a:defRPr/>
               </a:pPr>
-              <a:t>6/24/2019</a:t>
+              <a:t>8/12/2020</a:t>
             </a:fld>
             <a:endParaRPr lang="en-US" dirty="0"/>
           </a:p>
@@ -1405,7 +1405,7 @@
               <a:pPr>
                 <a:defRPr/>
               </a:pPr>
-              <a:t>6/24/2019</a:t>
+              <a:t>8/12/2020</a:t>
             </a:fld>
             <a:endParaRPr lang="en-US" dirty="0"/>
           </a:p>
@@ -1673,7 +1673,7 @@
               <a:pPr>
                 <a:defRPr/>
               </a:pPr>
-              <a:t>6/24/2019</a:t>
+              <a:t>8/12/2020</a:t>
             </a:fld>
             <a:endParaRPr lang="en-US" dirty="0">
               <a:solidFill>
@@ -1887,7 +1887,7 @@
               <a:pPr>
                 <a:defRPr/>
               </a:pPr>
-              <a:t>6/24/2019</a:t>
+              <a:t>8/12/2020</a:t>
             </a:fld>
             <a:endParaRPr lang="en-US" dirty="0">
               <a:solidFill>
@@ -2178,7 +2178,7 @@
               <a:pPr>
                 <a:defRPr/>
               </a:pPr>
-              <a:t>6/24/2019</a:t>
+              <a:t>8/12/2020</a:t>
             </a:fld>
             <a:endParaRPr lang="en-US" dirty="0">
               <a:solidFill>
@@ -2509,7 +2509,7 @@
               <a:pPr>
                 <a:defRPr/>
               </a:pPr>
-              <a:t>6/24/2019</a:t>
+              <a:t>8/12/2020</a:t>
             </a:fld>
             <a:endParaRPr lang="en-US" dirty="0">
               <a:solidFill>
@@ -2974,7 +2974,7 @@
               <a:pPr>
                 <a:defRPr/>
               </a:pPr>
-              <a:t>6/24/2019</a:t>
+              <a:t>8/12/2020</a:t>
             </a:fld>
             <a:endParaRPr lang="en-US" dirty="0">
               <a:solidFill>
@@ -3137,7 +3137,7 @@
               <a:pPr>
                 <a:defRPr/>
               </a:pPr>
-              <a:t>6/24/2019</a:t>
+              <a:t>8/12/2020</a:t>
             </a:fld>
             <a:endParaRPr lang="en-US" dirty="0">
               <a:solidFill>
@@ -3278,7 +3278,7 @@
               <a:pPr>
                 <a:defRPr/>
               </a:pPr>
-              <a:t>6/24/2019</a:t>
+              <a:t>8/12/2020</a:t>
             </a:fld>
             <a:endParaRPr lang="en-US" dirty="0">
               <a:solidFill>
@@ -3599,7 +3599,7 @@
               <a:pPr>
                 <a:defRPr/>
               </a:pPr>
-              <a:t>6/24/2019</a:t>
+              <a:t>8/12/2020</a:t>
             </a:fld>
             <a:endParaRPr lang="en-US" dirty="0">
               <a:solidFill>
@@ -3807,7 +3807,7 @@
               <a:pPr>
                 <a:defRPr/>
               </a:pPr>
-              <a:t>6/24/2019</a:t>
+              <a:t>8/12/2020</a:t>
             </a:fld>
             <a:endParaRPr lang="en-US" dirty="0"/>
           </a:p>
@@ -4090,7 +4090,7 @@
               <a:pPr>
                 <a:defRPr/>
               </a:pPr>
-              <a:t>6/24/2019</a:t>
+              <a:t>8/12/2020</a:t>
             </a:fld>
             <a:endParaRPr lang="en-US" dirty="0">
               <a:solidFill>
@@ -4304,7 +4304,7 @@
               <a:pPr>
                 <a:defRPr/>
               </a:pPr>
-              <a:t>6/24/2019</a:t>
+              <a:t>8/12/2020</a:t>
             </a:fld>
             <a:endParaRPr lang="en-US" dirty="0">
               <a:solidFill>
@@ -4528,7 +4528,7 @@
               <a:pPr>
                 <a:defRPr/>
               </a:pPr>
-              <a:t>6/24/2019</a:t>
+              <a:t>8/12/2020</a:t>
             </a:fld>
             <a:endParaRPr lang="en-US" dirty="0">
               <a:solidFill>
@@ -4738,7 +4738,7 @@
               <a:pPr>
                 <a:defRPr/>
               </a:pPr>
-              <a:t>6/24/2019</a:t>
+              <a:t>8/12/2020</a:t>
             </a:fld>
             <a:endParaRPr lang="en-US" dirty="0">
               <a:solidFill>
@@ -5015,7 +5015,7 @@
               <a:pPr>
                 <a:defRPr/>
               </a:pPr>
-              <a:t>6/24/2019</a:t>
+              <a:t>8/12/2020</a:t>
             </a:fld>
             <a:endParaRPr lang="en-US" dirty="0"/>
           </a:p>
@@ -5322,7 +5322,7 @@
               <a:pPr>
                 <a:defRPr/>
               </a:pPr>
-              <a:t>6/24/2019</a:t>
+              <a:t>8/12/2020</a:t>
             </a:fld>
             <a:endParaRPr lang="en-US" dirty="0"/>
           </a:p>
@@ -5763,7 +5763,7 @@
               <a:pPr>
                 <a:defRPr/>
               </a:pPr>
-              <a:t>6/24/2019</a:t>
+              <a:t>8/12/2020</a:t>
             </a:fld>
             <a:endParaRPr lang="en-US" dirty="0"/>
           </a:p>
@@ -5902,7 +5902,7 @@
               <a:pPr>
                 <a:defRPr/>
               </a:pPr>
-              <a:t>6/24/2019</a:t>
+              <a:t>8/12/2020</a:t>
             </a:fld>
             <a:endParaRPr lang="en-US" dirty="0"/>
           </a:p>
@@ -6019,7 +6019,7 @@
               <a:pPr>
                 <a:defRPr/>
               </a:pPr>
-              <a:t>6/24/2019</a:t>
+              <a:t>8/12/2020</a:t>
             </a:fld>
             <a:endParaRPr lang="en-US" dirty="0"/>
           </a:p>
@@ -6316,7 +6316,7 @@
               <a:pPr>
                 <a:defRPr/>
               </a:pPr>
-              <a:t>6/24/2019</a:t>
+              <a:t>8/12/2020</a:t>
             </a:fld>
             <a:endParaRPr lang="en-US" dirty="0"/>
           </a:p>
@@ -6593,7 +6593,7 @@
               <a:pPr>
                 <a:defRPr/>
               </a:pPr>
-              <a:t>6/24/2019</a:t>
+              <a:t>8/12/2020</a:t>
             </a:fld>
             <a:endParaRPr lang="en-US" dirty="0"/>
           </a:p>
@@ -6850,7 +6850,7 @@
               <a:pPr>
                 <a:defRPr/>
               </a:pPr>
-              <a:t>6/24/2019</a:t>
+              <a:t>8/12/2020</a:t>
             </a:fld>
             <a:endParaRPr lang="en-US" dirty="0"/>
           </a:p>
@@ -7560,7 +7560,7 @@
               <a:pPr>
                 <a:defRPr/>
               </a:pPr>
-              <a:t>6/24/2019</a:t>
+              <a:t>8/12/2020</a:t>
             </a:fld>
             <a:endParaRPr lang="en-US" dirty="0">
               <a:solidFill>
@@ -13505,7 +13505,7 @@
                 <a:ea typeface="+mn-ea"/>
                 <a:cs typeface="+mn-cs"/>
               </a:rPr>
-              <a:t>Locate Tutorial 1 on Course Website</a:t>
+              <a:t>Locate Supplement on Website</a:t>
             </a:r>
           </a:p>
           <a:p>

--- a/Lecture/Data Visualization/Data_Visualization_Lecture.pptx
+++ b/Lecture/Data Visualization/Data_Visualization_Lecture.pptx
@@ -30958,7 +30958,7 @@
               <a:buChar char="•"/>
             </a:pPr>
             <a:r>
-              <a:rPr lang="en-US" sz="2400">
+              <a:rPr lang="en-US" sz="2400" dirty="0">
                 <a:solidFill>
                   <a:srgbClr val="404040"/>
                 </a:solidFill>
@@ -30969,7 +30969,7 @@
               </a:rPr>
               <a:t>Many Useful Plots and Charts Provided</a:t>
             </a:r>
-            <a:endParaRPr/>
+            <a:endParaRPr dirty="0"/>
           </a:p>
           <a:p>
             <a:pPr marL="742950" marR="0" lvl="1" indent="-228600" algn="l" rtl="0">
@@ -31053,7 +31053,7 @@
               <a:buNone/>
             </a:pPr>
             <a:r>
-              <a:rPr lang="en-US" sz="2400" b="0" i="0" u="none" strike="noStrike" cap="none">
+              <a:rPr lang="en-US" sz="2400" b="0" i="0" u="none" strike="noStrike" cap="none" dirty="0">
                 <a:solidFill>
                   <a:srgbClr val="404040"/>
                 </a:solidFill>
@@ -31064,7 +31064,7 @@
               </a:rPr>
               <a:t>	(Also on Course Website)</a:t>
             </a:r>
-            <a:endParaRPr/>
+            <a:endParaRPr dirty="0"/>
           </a:p>
           <a:p>
             <a:pPr marL="857250" marR="0" lvl="1" indent="-342900" algn="l" rtl="0">
@@ -31085,7 +31085,7 @@
               <a:buChar char="•"/>
             </a:pPr>
             <a:r>
-              <a:rPr lang="en-US" sz="2400" b="0" i="0" u="none" strike="noStrike" cap="none">
+              <a:rPr lang="en-US" sz="2400" b="0" i="0" u="none" strike="noStrike" cap="none" dirty="0">
                 <a:solidFill>
                   <a:srgbClr val="404040"/>
                 </a:solidFill>
@@ -31094,9 +31094,33 @@
                 <a:cs typeface="Calibri"/>
                 <a:sym typeface="Calibri"/>
               </a:rPr>
-              <a:t>Called Geoms (Geometric Objects)</a:t>
+              <a:t>Called </a:t>
             </a:r>
-            <a:endParaRPr/>
+            <a:r>
+              <a:rPr lang="en-US" sz="2400" b="0" i="0" u="none" strike="noStrike" cap="none" dirty="0" err="1">
+                <a:solidFill>
+                  <a:srgbClr val="404040"/>
+                </a:solidFill>
+                <a:latin typeface="Calibri"/>
+                <a:ea typeface="Calibri"/>
+                <a:cs typeface="Calibri"/>
+                <a:sym typeface="Calibri"/>
+              </a:rPr>
+              <a:t>Geoms</a:t>
+            </a:r>
+            <a:r>
+              <a:rPr lang="en-US" sz="2400" b="0" i="0" u="none" strike="noStrike" cap="none" dirty="0">
+                <a:solidFill>
+                  <a:srgbClr val="404040"/>
+                </a:solidFill>
+                <a:latin typeface="Calibri"/>
+                <a:ea typeface="Calibri"/>
+                <a:cs typeface="Calibri"/>
+                <a:sym typeface="Calibri"/>
+              </a:rPr>
+              <a:t> (Geometric Objects)</a:t>
+            </a:r>
+            <a:endParaRPr dirty="0"/>
           </a:p>
           <a:p>
             <a:pPr marL="857250" marR="0" lvl="1" indent="-342900" algn="l" rtl="0">
@@ -31117,7 +31141,7 @@
               <a:buChar char="•"/>
             </a:pPr>
             <a:r>
-              <a:rPr lang="en-US" sz="2400" b="0" i="0" u="none" strike="noStrike" cap="none">
+              <a:rPr lang="en-US" sz="2400" b="0" i="0" u="none" strike="noStrike" cap="none" dirty="0">
                 <a:solidFill>
                   <a:srgbClr val="404040"/>
                 </a:solidFill>
@@ -31126,9 +31150,33 @@
                 <a:cs typeface="Calibri"/>
                 <a:sym typeface="Calibri"/>
               </a:rPr>
-              <a:t>The Geom you choose Must Comply with the Type of Variables You are Analyzing</a:t>
+              <a:t>The </a:t>
             </a:r>
-            <a:endParaRPr/>
+            <a:r>
+              <a:rPr lang="en-US" sz="2400" b="0" i="0" u="none" strike="noStrike" cap="none" dirty="0" err="1">
+                <a:solidFill>
+                  <a:srgbClr val="404040"/>
+                </a:solidFill>
+                <a:latin typeface="Calibri"/>
+                <a:ea typeface="Calibri"/>
+                <a:cs typeface="Calibri"/>
+                <a:sym typeface="Calibri"/>
+              </a:rPr>
+              <a:t>Geom</a:t>
+            </a:r>
+            <a:r>
+              <a:rPr lang="en-US" sz="2400" b="0" i="0" u="none" strike="noStrike" cap="none" dirty="0">
+                <a:solidFill>
+                  <a:srgbClr val="404040"/>
+                </a:solidFill>
+                <a:latin typeface="Calibri"/>
+                <a:ea typeface="Calibri"/>
+                <a:cs typeface="Calibri"/>
+                <a:sym typeface="Calibri"/>
+              </a:rPr>
+              <a:t> you choose Must Comply with the Type of Variables You are Analyzing</a:t>
+            </a:r>
+            <a:endParaRPr dirty="0"/>
           </a:p>
           <a:p>
             <a:pPr marL="514350" marR="0" lvl="1" indent="0" algn="l" rtl="0">
@@ -31148,7 +31196,7 @@
               <a:buFont typeface="Arial"/>
               <a:buNone/>
             </a:pPr>
-            <a:endParaRPr sz="2400" b="0" i="0" u="none" strike="noStrike" cap="none">
+            <a:endParaRPr sz="2400" b="0" i="0" u="none" strike="noStrike" cap="none" dirty="0">
               <a:solidFill>
                 <a:srgbClr val="404040"/>
               </a:solidFill>
@@ -31177,7 +31225,7 @@
               <a:buChar char="•"/>
             </a:pPr>
             <a:r>
-              <a:rPr lang="en-US" sz="2400">
+              <a:rPr lang="en-US" sz="2400" dirty="0">
                 <a:solidFill>
                   <a:srgbClr val="404040"/>
                 </a:solidFill>
@@ -31188,7 +31236,7 @@
               </a:rPr>
               <a:t>Organized by Type of Data</a:t>
             </a:r>
-            <a:endParaRPr/>
+            <a:endParaRPr dirty="0"/>
           </a:p>
           <a:p>
             <a:pPr marL="914400" marR="0" lvl="1" indent="-342900" algn="l" rtl="0">
@@ -31209,7 +31257,7 @@
               <a:buChar char="•"/>
             </a:pPr>
             <a:r>
-              <a:rPr lang="en-US" sz="2400" b="0" i="0" u="none" strike="noStrike" cap="none">
+              <a:rPr lang="en-US" sz="2400" b="0" i="0" u="none" strike="noStrike" cap="none" dirty="0">
                 <a:solidFill>
                   <a:srgbClr val="404040"/>
                 </a:solidFill>
@@ -31220,7 +31268,7 @@
               </a:rPr>
               <a:t>Univariate</a:t>
             </a:r>
-            <a:endParaRPr/>
+            <a:endParaRPr dirty="0"/>
           </a:p>
           <a:p>
             <a:pPr marL="914400" marR="0" lvl="1" indent="-342900" algn="l" rtl="0">
@@ -31241,7 +31289,7 @@
               <a:buChar char="•"/>
             </a:pPr>
             <a:r>
-              <a:rPr lang="en-US" sz="2400" b="0" i="0" u="none" strike="noStrike" cap="none">
+              <a:rPr lang="en-US" sz="2400" b="0" i="0" u="none" strike="noStrike" cap="none" dirty="0">
                 <a:solidFill>
                   <a:srgbClr val="404040"/>
                 </a:solidFill>
@@ -31252,7 +31300,7 @@
               </a:rPr>
               <a:t>Bivariate</a:t>
             </a:r>
-            <a:endParaRPr/>
+            <a:endParaRPr dirty="0"/>
           </a:p>
           <a:p>
             <a:pPr marL="914400" marR="0" lvl="1" indent="-342900" algn="l" rtl="0">
@@ -31273,7 +31321,7 @@
               <a:buChar char="•"/>
             </a:pPr>
             <a:r>
-              <a:rPr lang="en-US" sz="2400" b="0" i="0" u="none" strike="noStrike" cap="none">
+              <a:rPr lang="en-US" sz="2400" b="0" i="0" u="none" strike="noStrike" cap="none" dirty="0">
                 <a:solidFill>
                   <a:srgbClr val="404040"/>
                 </a:solidFill>
@@ -31284,7 +31332,7 @@
               </a:rPr>
               <a:t>Mixtures of Categorical and Numeric</a:t>
             </a:r>
-            <a:endParaRPr/>
+            <a:endParaRPr dirty="0"/>
           </a:p>
           <a:p>
             <a:pPr marL="114300" marR="0" lvl="0" indent="0" algn="l" rtl="0">
@@ -31304,7 +31352,7 @@
               <a:buFont typeface="Arial"/>
               <a:buNone/>
             </a:pPr>
-            <a:endParaRPr sz="2400">
+            <a:endParaRPr sz="2400" dirty="0">
               <a:solidFill>
                 <a:srgbClr val="404040"/>
               </a:solidFill>
@@ -32481,7 +32529,7 @@
               <a:buChar char="•"/>
             </a:pPr>
             <a:r>
-              <a:rPr lang="en-US" sz="2400">
+              <a:rPr lang="en-US" sz="2400" dirty="0">
                 <a:solidFill>
                   <a:srgbClr val="404040"/>
                 </a:solidFill>
@@ -32492,7 +32540,7 @@
               </a:rPr>
               <a:t>Locate Supplement on Website</a:t>
             </a:r>
-            <a:endParaRPr/>
+            <a:endParaRPr dirty="0"/>
           </a:p>
           <a:p>
             <a:pPr marL="342900" marR="0" lvl="0" indent="-76200" algn="l" rtl="0">
@@ -32512,7 +32560,7 @@
               <a:buFont typeface="Arial"/>
               <a:buNone/>
             </a:pPr>
-            <a:endParaRPr sz="2400">
+            <a:endParaRPr sz="2400" dirty="0">
               <a:solidFill>
                 <a:srgbClr val="404040"/>
               </a:solidFill>
@@ -32541,6 +32589,18 @@
               <a:buChar char="•"/>
             </a:pPr>
             <a:r>
+              <a:rPr lang="en-US" sz="2400" dirty="0">
+                <a:solidFill>
+                  <a:srgbClr val="404040"/>
+                </a:solidFill>
+                <a:latin typeface="Calibri"/>
+                <a:ea typeface="Calibri"/>
+                <a:cs typeface="Calibri"/>
+                <a:sym typeface="Calibri"/>
+              </a:rPr>
+              <a:t>Download Zipped Folder </a:t>
+            </a:r>
+            <a:r>
               <a:rPr lang="en-US" sz="2400">
                 <a:solidFill>
                   <a:srgbClr val="404040"/>
@@ -32550,9 +32610,9 @@
                 <a:cs typeface="Calibri"/>
                 <a:sym typeface="Calibri"/>
               </a:rPr>
-              <a:t>Download Rmd File</a:t>
+              <a:t>and Unzip</a:t>
             </a:r>
-            <a:endParaRPr/>
+            <a:endParaRPr dirty="0"/>
           </a:p>
           <a:p>
             <a:pPr marL="342900" marR="0" lvl="0" indent="-76200" algn="l" rtl="0">
@@ -32572,7 +32632,7 @@
               <a:buFont typeface="Arial"/>
               <a:buNone/>
             </a:pPr>
-            <a:endParaRPr sz="2400">
+            <a:endParaRPr sz="2400" dirty="0">
               <a:solidFill>
                 <a:srgbClr val="404040"/>
               </a:solidFill>
@@ -32601,7 +32661,7 @@
               <a:buChar char="•"/>
             </a:pPr>
             <a:r>
-              <a:rPr lang="en-US" sz="2400">
+              <a:rPr lang="en-US" sz="2400" dirty="0">
                 <a:solidFill>
                   <a:srgbClr val="404040"/>
                 </a:solidFill>
@@ -32610,9 +32670,33 @@
                 <a:cs typeface="Calibri"/>
                 <a:sym typeface="Calibri"/>
               </a:rPr>
-              <a:t>Open Rmd File on Computer</a:t>
+              <a:t>Open </a:t>
             </a:r>
-            <a:endParaRPr/>
+            <a:r>
+              <a:rPr lang="en-US" sz="2400" dirty="0" err="1">
+                <a:solidFill>
+                  <a:srgbClr val="404040"/>
+                </a:solidFill>
+                <a:latin typeface="Calibri"/>
+                <a:ea typeface="Calibri"/>
+                <a:cs typeface="Calibri"/>
+                <a:sym typeface="Calibri"/>
+              </a:rPr>
+              <a:t>Rmd</a:t>
+            </a:r>
+            <a:r>
+              <a:rPr lang="en-US" sz="2400" dirty="0">
+                <a:solidFill>
+                  <a:srgbClr val="404040"/>
+                </a:solidFill>
+                <a:latin typeface="Calibri"/>
+                <a:ea typeface="Calibri"/>
+                <a:cs typeface="Calibri"/>
+                <a:sym typeface="Calibri"/>
+              </a:rPr>
+              <a:t> File on Computer</a:t>
+            </a:r>
+            <a:endParaRPr dirty="0"/>
           </a:p>
           <a:p>
             <a:pPr marL="342900" marR="0" lvl="0" indent="-76200" algn="l" rtl="0">
@@ -32632,7 +32716,7 @@
               <a:buFont typeface="Arial"/>
               <a:buNone/>
             </a:pPr>
-            <a:endParaRPr sz="2400">
+            <a:endParaRPr sz="2400" dirty="0">
               <a:solidFill>
                 <a:srgbClr val="404040"/>
               </a:solidFill>
@@ -32661,7 +32745,7 @@
               <a:buChar char="•"/>
             </a:pPr>
             <a:r>
-              <a:rPr lang="en-US" sz="2400">
+              <a:rPr lang="en-US" sz="2400" dirty="0">
                 <a:solidFill>
                   <a:srgbClr val="404040"/>
                 </a:solidFill>
@@ -32670,9 +32754,33 @@
                 <a:cs typeface="Calibri"/>
                 <a:sym typeface="Calibri"/>
               </a:rPr>
-              <a:t>Knit the Rmd File to HTML format</a:t>
+              <a:t>Knit the </a:t>
             </a:r>
-            <a:endParaRPr/>
+            <a:r>
+              <a:rPr lang="en-US" sz="2400" dirty="0" err="1">
+                <a:solidFill>
+                  <a:srgbClr val="404040"/>
+                </a:solidFill>
+                <a:latin typeface="Calibri"/>
+                <a:ea typeface="Calibri"/>
+                <a:cs typeface="Calibri"/>
+                <a:sym typeface="Calibri"/>
+              </a:rPr>
+              <a:t>Rmd</a:t>
+            </a:r>
+            <a:r>
+              <a:rPr lang="en-US" sz="2400" dirty="0">
+                <a:solidFill>
+                  <a:srgbClr val="404040"/>
+                </a:solidFill>
+                <a:latin typeface="Calibri"/>
+                <a:ea typeface="Calibri"/>
+                <a:cs typeface="Calibri"/>
+                <a:sym typeface="Calibri"/>
+              </a:rPr>
+              <a:t> File to HTML format</a:t>
+            </a:r>
+            <a:endParaRPr dirty="0"/>
           </a:p>
           <a:p>
             <a:pPr marL="342900" marR="0" lvl="0" indent="-76200" algn="l" rtl="0">
@@ -32692,7 +32800,7 @@
               <a:buFont typeface="Arial"/>
               <a:buNone/>
             </a:pPr>
-            <a:endParaRPr sz="2400">
+            <a:endParaRPr sz="2400" dirty="0">
               <a:solidFill>
                 <a:srgbClr val="404040"/>
               </a:solidFill>
@@ -32721,7 +32829,7 @@
               <a:buChar char="•"/>
             </a:pPr>
             <a:r>
-              <a:rPr lang="en-US" sz="2400">
+              <a:rPr lang="en-US" sz="2400" dirty="0">
                 <a:solidFill>
                   <a:srgbClr val="404040"/>
                 </a:solidFill>
@@ -32732,7 +32840,7 @@
               </a:rPr>
               <a:t>View Graphs with Me</a:t>
             </a:r>
-            <a:endParaRPr/>
+            <a:endParaRPr dirty="0"/>
           </a:p>
         </p:txBody>
       </p:sp>

--- a/Lecture/Data Visualization/Data_Visualization_Lecture.pptx
+++ b/Lecture/Data Visualization/Data_Visualization_Lecture.pptx
@@ -281,7 +281,7 @@
       </p15:notesGuideLst>
     </p:ext>
     <p:ext uri="http://customooxmlschemas.google.com/">
-      <go:slidesCustomData xmlns:go="http://customooxmlschemas.google.com/" xmlns:ahyp="http://schemas.microsoft.com/office/drawing/2018/hyperlinkcolor" xmlns:p15="http://schemas.microsoft.com/office/powerpoint/2012/main" xmlns:p14="http://schemas.microsoft.com/office/powerpoint/2010/main" xmlns:com="http://schemas.openxmlformats.org/drawingml/2006/compatibility" xmlns:pvml="urn:schemas-microsoft-com:office:powerpoint" xmlns:v="urn:schemas-microsoft-com:vml" xmlns:o="urn:schemas-microsoft-com:office:office" xmlns:dgm="http://schemas.openxmlformats.org/drawingml/2006/diagram" xmlns:c="http://schemas.openxmlformats.org/drawingml/2006/chart" xmlns:mv="urn:schemas-microsoft-com:mac:vml" xmlns:mc="http://schemas.openxmlformats.org/markup-compatibility/2006" xmlns="" r:id="rId17" roundtripDataSignature="AMtx7mjjNJf+ZA6/xms6I8lVYTxqTN1M8w=="/>
+      <go:slidesCustomData xmlns="" xmlns:mc="http://schemas.openxmlformats.org/markup-compatibility/2006" xmlns:mv="urn:schemas-microsoft-com:mac:vml" xmlns:c="http://schemas.openxmlformats.org/drawingml/2006/chart" xmlns:dgm="http://schemas.openxmlformats.org/drawingml/2006/diagram" xmlns:o="urn:schemas-microsoft-com:office:office" xmlns:v="urn:schemas-microsoft-com:vml" xmlns:pvml="urn:schemas-microsoft-com:office:powerpoint" xmlns:com="http://schemas.openxmlformats.org/drawingml/2006/compatibility" xmlns:p14="http://schemas.microsoft.com/office/powerpoint/2010/main" xmlns:p15="http://schemas.microsoft.com/office/powerpoint/2012/main" xmlns:ahyp="http://schemas.microsoft.com/office/drawing/2018/hyperlinkcolor" xmlns:go="http://customooxmlschemas.google.com/" r:id="rId17" roundtripDataSignature="AMtx7mjjNJf+ZA6/xms6I8lVYTxqTN1M8w=="/>
     </p:ext>
   </p:extLst>
 </p:presentation>
@@ -28388,7 +28388,7 @@
                 <a:spcPct val="90000"/>
               </a:lnSpc>
               <a:spcBef>
-                <a:spcPts val="0"/>
+                <a:spcPts val="480"/>
               </a:spcBef>
               <a:spcAft>
                 <a:spcPts val="0"/>
@@ -28401,7 +28401,7 @@
               <a:buChar char="•"/>
             </a:pPr>
             <a:r>
-              <a:rPr lang="en-US" sz="2400" b="0" i="0" u="none" strike="noStrike" cap="none">
+              <a:rPr lang="en-US" sz="2400" b="0" i="0" u="none" strike="noStrike" cap="none" dirty="0">
                 <a:solidFill>
                   <a:srgbClr val="404040"/>
                 </a:solidFill>
@@ -28410,12 +28410,12 @@
                 <a:cs typeface="Calibri"/>
                 <a:sym typeface="Calibri"/>
               </a:rPr>
-              <a:t>To Develop a Personal and Intimate Relationship With R</a:t>
+              <a:t>To Install Some Key R Packages</a:t>
             </a:r>
-            <a:endParaRPr/>
+            <a:endParaRPr dirty="0"/>
           </a:p>
           <a:p>
-            <a:pPr marL="114300" marR="0" lvl="0" indent="0" algn="l" rtl="0">
+            <a:pPr marL="742950" marR="0" lvl="1" indent="-228600" algn="l" rtl="0">
               <a:lnSpc>
                 <a:spcPct val="90000"/>
               </a:lnSpc>
@@ -28426,13 +28426,93 @@
                 <a:spcPts val="0"/>
               </a:spcAft>
               <a:buClr>
-                <a:schemeClr val="dk1"/>
+                <a:srgbClr val="404040"/>
               </a:buClr>
               <a:buSzPts val="2400"/>
               <a:buFont typeface="Arial"/>
-              <a:buNone/>
+              <a:buChar char="•"/>
             </a:pPr>
-            <a:endParaRPr sz="2400" b="0" i="0" u="none" strike="noStrike" cap="none">
+            <a:r>
+              <a:rPr lang="en-US" sz="2400" b="0" i="0" u="none" strike="noStrike" cap="none" dirty="0" err="1">
+                <a:solidFill>
+                  <a:srgbClr val="404040"/>
+                </a:solidFill>
+                <a:latin typeface="Calibri"/>
+                <a:ea typeface="Calibri"/>
+                <a:cs typeface="Calibri"/>
+                <a:sym typeface="Calibri"/>
+              </a:rPr>
+              <a:t>Tidyverse</a:t>
+            </a:r>
+            <a:endParaRPr sz="2400" b="0" i="0" u="none" strike="noStrike" cap="none" dirty="0">
+              <a:solidFill>
+                <a:srgbClr val="404040"/>
+              </a:solidFill>
+              <a:latin typeface="Calibri"/>
+              <a:ea typeface="Calibri"/>
+              <a:cs typeface="Calibri"/>
+              <a:sym typeface="Calibri"/>
+            </a:endParaRPr>
+          </a:p>
+          <a:p>
+            <a:pPr marL="742950" marR="0" lvl="1" indent="-228600" algn="l" rtl="0">
+              <a:lnSpc>
+                <a:spcPct val="90000"/>
+              </a:lnSpc>
+              <a:spcBef>
+                <a:spcPts val="480"/>
+              </a:spcBef>
+              <a:spcAft>
+                <a:spcPts val="0"/>
+              </a:spcAft>
+              <a:buClr>
+                <a:srgbClr val="404040"/>
+              </a:buClr>
+              <a:buSzPts val="2400"/>
+              <a:buFont typeface="Arial"/>
+              <a:buChar char="•"/>
+            </a:pPr>
+            <a:r>
+              <a:rPr lang="en-US" sz="2400" b="0" i="0" u="none" strike="noStrike" cap="none" dirty="0" err="1">
+                <a:solidFill>
+                  <a:srgbClr val="404040"/>
+                </a:solidFill>
+                <a:latin typeface="Calibri"/>
+                <a:ea typeface="Calibri"/>
+                <a:cs typeface="Calibri"/>
+                <a:sym typeface="Calibri"/>
+              </a:rPr>
+              <a:t>Rmarkdown</a:t>
+            </a:r>
+            <a:endParaRPr sz="2400" b="0" i="0" u="none" strike="noStrike" cap="none" dirty="0">
+              <a:solidFill>
+                <a:srgbClr val="404040"/>
+              </a:solidFill>
+              <a:latin typeface="Calibri"/>
+              <a:ea typeface="Calibri"/>
+              <a:cs typeface="Calibri"/>
+              <a:sym typeface="Calibri"/>
+            </a:endParaRPr>
+          </a:p>
+          <a:p>
+            <a:pPr marL="342900" marR="0" lvl="0" indent="-76200" algn="l" rtl="0">
+              <a:lnSpc>
+                <a:spcPct val="90000"/>
+              </a:lnSpc>
+              <a:spcBef>
+                <a:spcPts val="480"/>
+              </a:spcBef>
+              <a:spcAft>
+                <a:spcPts val="0"/>
+              </a:spcAft>
+              <a:buClr>
+                <a:schemeClr val="dk1"/>
+              </a:buClr>
+              <a:buSzPts val="2400"/>
+              <a:buFont typeface="Arial"/>
+              <a:buNone/>
+            </a:pPr>
+            <a:endParaRPr sz="2400" b="0" i="0" u="none" strike="noStrike" cap="none" dirty="0">
               <a:solidFill>
                 <a:srgbClr val="404040"/>
               </a:solidFill>
@@ -28461,7 +28541,7 @@
               <a:buChar char="•"/>
             </a:pPr>
             <a:r>
-              <a:rPr lang="en-US" sz="2400" b="0" i="0" u="none" strike="noStrike" cap="none">
+              <a:rPr lang="en-US" sz="2400" b="0" i="0" u="none" strike="noStrike" cap="none" dirty="0">
                 <a:solidFill>
                   <a:srgbClr val="404040"/>
                 </a:solidFill>
@@ -28470,89 +28550,9 @@
                 <a:cs typeface="Calibri"/>
                 <a:sym typeface="Calibri"/>
               </a:rPr>
-              <a:t>To Install Some Key R Packages</a:t>
+              <a:t>To Learn Elements of ggplot2</a:t>
             </a:r>
-            <a:endParaRPr/>
-          </a:p>
-          <a:p>
-            <a:pPr marL="742950" marR="0" lvl="1" indent="-228600" algn="l" rtl="0">
-              <a:lnSpc>
-                <a:spcPct val="90000"/>
-              </a:lnSpc>
-              <a:spcBef>
-                <a:spcPts val="480"/>
-              </a:spcBef>
-              <a:spcAft>
-                <a:spcPts val="0"/>
-              </a:spcAft>
-              <a:buClr>
-                <a:srgbClr val="404040"/>
-              </a:buClr>
-              <a:buSzPts val="2400"/>
-              <a:buFont typeface="Arial"/>
-              <a:buChar char="•"/>
-            </a:pPr>
-            <a:r>
-              <a:rPr lang="en-US" sz="2400" b="0" i="0" u="none" strike="noStrike" cap="none">
-                <a:solidFill>
-                  <a:srgbClr val="404040"/>
-                </a:solidFill>
-                <a:latin typeface="Calibri"/>
-                <a:ea typeface="Calibri"/>
-                <a:cs typeface="Calibri"/>
-                <a:sym typeface="Calibri"/>
-              </a:rPr>
-              <a:t>Tidyverse</a:t>
-            </a:r>
-            <a:endParaRPr sz="2400" b="0" i="0" u="none" strike="noStrike" cap="none">
-              <a:solidFill>
-                <a:srgbClr val="404040"/>
-              </a:solidFill>
-              <a:latin typeface="Calibri"/>
-              <a:ea typeface="Calibri"/>
-              <a:cs typeface="Calibri"/>
-              <a:sym typeface="Calibri"/>
-            </a:endParaRPr>
-          </a:p>
-          <a:p>
-            <a:pPr marL="742950" marR="0" lvl="1" indent="-228600" algn="l" rtl="0">
-              <a:lnSpc>
-                <a:spcPct val="90000"/>
-              </a:lnSpc>
-              <a:spcBef>
-                <a:spcPts val="480"/>
-              </a:spcBef>
-              <a:spcAft>
-                <a:spcPts val="0"/>
-              </a:spcAft>
-              <a:buClr>
-                <a:srgbClr val="404040"/>
-              </a:buClr>
-              <a:buSzPts val="2400"/>
-              <a:buFont typeface="Arial"/>
-              <a:buChar char="•"/>
-            </a:pPr>
-            <a:r>
-              <a:rPr lang="en-US" sz="2400" b="0" i="0" u="none" strike="noStrike" cap="none">
-                <a:solidFill>
-                  <a:srgbClr val="404040"/>
-                </a:solidFill>
-                <a:latin typeface="Calibri"/>
-                <a:ea typeface="Calibri"/>
-                <a:cs typeface="Calibri"/>
-                <a:sym typeface="Calibri"/>
-              </a:rPr>
-              <a:t>Rmarkdown</a:t>
-            </a:r>
-            <a:endParaRPr sz="2400" b="0" i="0" u="none" strike="noStrike" cap="none">
-              <a:solidFill>
-                <a:srgbClr val="404040"/>
-              </a:solidFill>
-              <a:latin typeface="Calibri"/>
-              <a:ea typeface="Calibri"/>
-              <a:cs typeface="Calibri"/>
-              <a:sym typeface="Calibri"/>
-            </a:endParaRPr>
+            <a:endParaRPr dirty="0"/>
           </a:p>
           <a:p>
             <a:pPr marL="342900" marR="0" lvl="0" indent="-76200" algn="l" rtl="0">
@@ -28572,7 +28572,7 @@
               <a:buFont typeface="Arial"/>
               <a:buNone/>
             </a:pPr>
-            <a:endParaRPr sz="2400" b="0" i="0" u="none" strike="noStrike" cap="none">
+            <a:endParaRPr sz="2400" b="0" i="0" u="none" strike="noStrike" cap="none" dirty="0">
               <a:solidFill>
                 <a:srgbClr val="404040"/>
               </a:solidFill>
@@ -28610,58 +28610,10 @@
                 <a:cs typeface="Calibri"/>
                 <a:sym typeface="Calibri"/>
               </a:rPr>
-              <a:t>To Practice Coding via R Scripts</a:t>
+              <a:t>Make </a:t>
             </a:r>
-            <a:endParaRPr/>
-          </a:p>
-          <a:p>
-            <a:pPr marL="342900" marR="0" lvl="0" indent="-76200" algn="l" rtl="0">
-              <a:lnSpc>
-                <a:spcPct val="90000"/>
-              </a:lnSpc>
-              <a:spcBef>
-                <a:spcPts val="480"/>
-              </a:spcBef>
-              <a:spcAft>
-                <a:spcPts val="0"/>
-              </a:spcAft>
-              <a:buClr>
-                <a:schemeClr val="dk1"/>
-              </a:buClr>
-              <a:buSzPts val="2400"/>
-              <a:buFont typeface="Arial"/>
-              <a:buNone/>
-            </a:pPr>
-            <a:endParaRPr sz="2400" b="0" i="0" u="none" strike="noStrike" cap="none">
-              <a:solidFill>
-                <a:srgbClr val="404040"/>
-              </a:solidFill>
-              <a:latin typeface="Calibri"/>
-              <a:ea typeface="Calibri"/>
-              <a:cs typeface="Calibri"/>
-              <a:sym typeface="Calibri"/>
-            </a:endParaRPr>
-          </a:p>
-          <a:p>
-            <a:pPr marL="342900" marR="0" lvl="0" indent="-228600" algn="l" rtl="0">
-              <a:lnSpc>
-                <a:spcPct val="90000"/>
-              </a:lnSpc>
-              <a:spcBef>
-                <a:spcPts val="480"/>
-              </a:spcBef>
-              <a:spcAft>
-                <a:spcPts val="0"/>
-              </a:spcAft>
-              <a:buClr>
-                <a:srgbClr val="404040"/>
-              </a:buClr>
-              <a:buSzPts val="2400"/>
-              <a:buFont typeface="Arial"/>
-              <a:buChar char="•"/>
-            </a:pPr>
             <a:r>
-              <a:rPr lang="en-US" sz="2400" b="0" i="0" u="none" strike="noStrike" cap="none">
+              <a:rPr lang="en-US" sz="2400" b="0" i="0" u="none" strike="noStrike" cap="none" dirty="0">
                 <a:solidFill>
                   <a:srgbClr val="404040"/>
                 </a:solidFill>
@@ -28670,69 +28622,9 @@
                 <a:cs typeface="Calibri"/>
                 <a:sym typeface="Calibri"/>
               </a:rPr>
-              <a:t>To Learn Elements of ggplot2</a:t>
+              <a:t>Visually Stunning Pictures that Change Lives</a:t>
             </a:r>
-            <a:endParaRPr/>
-          </a:p>
-          <a:p>
-            <a:pPr marL="342900" marR="0" lvl="0" indent="-76200" algn="l" rtl="0">
-              <a:lnSpc>
-                <a:spcPct val="90000"/>
-              </a:lnSpc>
-              <a:spcBef>
-                <a:spcPts val="480"/>
-              </a:spcBef>
-              <a:spcAft>
-                <a:spcPts val="0"/>
-              </a:spcAft>
-              <a:buClr>
-                <a:schemeClr val="dk1"/>
-              </a:buClr>
-              <a:buSzPts val="2400"/>
-              <a:buFont typeface="Arial"/>
-              <a:buNone/>
-            </a:pPr>
-            <a:endParaRPr sz="2400" b="0" i="0" u="none" strike="noStrike" cap="none">
-              <a:solidFill>
-                <a:srgbClr val="404040"/>
-              </a:solidFill>
-              <a:latin typeface="Calibri"/>
-              <a:ea typeface="Calibri"/>
-              <a:cs typeface="Calibri"/>
-              <a:sym typeface="Calibri"/>
-            </a:endParaRPr>
-          </a:p>
-          <a:p>
-            <a:pPr marL="342900" marR="0" lvl="0" indent="-228600" algn="l" rtl="0">
-              <a:lnSpc>
-                <a:spcPct val="90000"/>
-              </a:lnSpc>
-              <a:spcBef>
-                <a:spcPts val="480"/>
-              </a:spcBef>
-              <a:spcAft>
-                <a:spcPts val="0"/>
-              </a:spcAft>
-              <a:buClr>
-                <a:srgbClr val="404040"/>
-              </a:buClr>
-              <a:buSzPts val="2400"/>
-              <a:buFont typeface="Arial"/>
-              <a:buChar char="•"/>
-            </a:pPr>
-            <a:r>
-              <a:rPr lang="en-US" sz="2400" b="0" i="0" u="none" strike="noStrike" cap="none">
-                <a:solidFill>
-                  <a:srgbClr val="404040"/>
-                </a:solidFill>
-                <a:latin typeface="Calibri"/>
-                <a:ea typeface="Calibri"/>
-                <a:cs typeface="Calibri"/>
-                <a:sym typeface="Calibri"/>
-              </a:rPr>
-              <a:t>Practice Making Visually Stunning Pictures that Change Lives</a:t>
-            </a:r>
-            <a:endParaRPr sz="2000" b="0" i="0" u="none" strike="noStrike" cap="none">
+            <a:endParaRPr sz="2000" b="0" i="0" u="none" strike="noStrike" cap="none" dirty="0">
               <a:solidFill>
                 <a:srgbClr val="404040"/>
               </a:solidFill>

--- a/Lecture/Data Visualization/Data_Visualization_Lecture.pptx
+++ b/Lecture/Data Visualization/Data_Visualization_Lecture.pptx
@@ -281,7 +281,7 @@
       </p15:notesGuideLst>
     </p:ext>
     <p:ext uri="http://customooxmlschemas.google.com/">
-      <go:slidesCustomData xmlns="" xmlns:mc="http://schemas.openxmlformats.org/markup-compatibility/2006" xmlns:mv="urn:schemas-microsoft-com:mac:vml" xmlns:c="http://schemas.openxmlformats.org/drawingml/2006/chart" xmlns:dgm="http://schemas.openxmlformats.org/drawingml/2006/diagram" xmlns:o="urn:schemas-microsoft-com:office:office" xmlns:v="urn:schemas-microsoft-com:vml" xmlns:pvml="urn:schemas-microsoft-com:office:powerpoint" xmlns:com="http://schemas.openxmlformats.org/drawingml/2006/compatibility" xmlns:p14="http://schemas.microsoft.com/office/powerpoint/2010/main" xmlns:p15="http://schemas.microsoft.com/office/powerpoint/2012/main" xmlns:ahyp="http://schemas.microsoft.com/office/drawing/2018/hyperlinkcolor" xmlns:go="http://customooxmlschemas.google.com/" r:id="rId17" roundtripDataSignature="AMtx7mjjNJf+ZA6/xms6I8lVYTxqTN1M8w=="/>
+      <go:slidesCustomData xmlns:go="http://customooxmlschemas.google.com/" xmlns:ahyp="http://schemas.microsoft.com/office/drawing/2018/hyperlinkcolor" xmlns:p15="http://schemas.microsoft.com/office/powerpoint/2012/main" xmlns:p14="http://schemas.microsoft.com/office/powerpoint/2010/main" xmlns:com="http://schemas.openxmlformats.org/drawingml/2006/compatibility" xmlns:pvml="urn:schemas-microsoft-com:office:powerpoint" xmlns:v="urn:schemas-microsoft-com:vml" xmlns:o="urn:schemas-microsoft-com:office:office" xmlns:dgm="http://schemas.openxmlformats.org/drawingml/2006/diagram" xmlns:c="http://schemas.openxmlformats.org/drawingml/2006/chart" xmlns:mv="urn:schemas-microsoft-com:mac:vml" xmlns:mc="http://schemas.openxmlformats.org/markup-compatibility/2006" xmlns="" r:id="rId17" roundtripDataSignature="AMtx7mjjNJf+ZA6/xms6I8lVYTxqTN1M8w=="/>
     </p:ext>
   </p:extLst>
 </p:presentation>
@@ -28433,6 +28433,18 @@
               <a:buChar char="•"/>
             </a:pPr>
             <a:r>
+              <a:rPr lang="en-US" sz="2400" dirty="0" err="1">
+                <a:solidFill>
+                  <a:srgbClr val="404040"/>
+                </a:solidFill>
+                <a:latin typeface="Calibri"/>
+                <a:ea typeface="Calibri"/>
+                <a:cs typeface="Calibri"/>
+                <a:sym typeface="Calibri"/>
+              </a:rPr>
+              <a:t>t</a:t>
+            </a:r>
+            <a:r>
               <a:rPr lang="en-US" sz="2400" b="0" i="0" u="none" strike="noStrike" cap="none" dirty="0" err="1">
                 <a:solidFill>
                   <a:srgbClr val="404040"/>
@@ -28442,7 +28454,7 @@
                 <a:cs typeface="Calibri"/>
                 <a:sym typeface="Calibri"/>
               </a:rPr>
-              <a:t>Tidyverse</a:t>
+              <a:t>idyverse</a:t>
             </a:r>
             <a:endParaRPr sz="2400" b="0" i="0" u="none" strike="noStrike" cap="none" dirty="0">
               <a:solidFill>
@@ -28484,6 +28496,46 @@
               </a:rPr>
               <a:t>Rmarkdown</a:t>
             </a:r>
+            <a:endParaRPr lang="en-US" sz="2400" b="0" i="0" u="none" strike="noStrike" cap="none" dirty="0">
+              <a:solidFill>
+                <a:srgbClr val="404040"/>
+              </a:solidFill>
+              <a:latin typeface="Calibri"/>
+              <a:ea typeface="Calibri"/>
+              <a:cs typeface="Calibri"/>
+              <a:sym typeface="Calibri"/>
+            </a:endParaRPr>
+          </a:p>
+          <a:p>
+            <a:pPr marL="742950" marR="0" lvl="1" indent="-228600" algn="l" rtl="0">
+              <a:lnSpc>
+                <a:spcPct val="90000"/>
+              </a:lnSpc>
+              <a:spcBef>
+                <a:spcPts val="480"/>
+              </a:spcBef>
+              <a:spcAft>
+                <a:spcPts val="0"/>
+              </a:spcAft>
+              <a:buClr>
+                <a:srgbClr val="404040"/>
+              </a:buClr>
+              <a:buSzPts val="2400"/>
+              <a:buFont typeface="Arial"/>
+              <a:buChar char="•"/>
+            </a:pPr>
+            <a:r>
+              <a:rPr lang="en-US" sz="2400" dirty="0" err="1">
+                <a:solidFill>
+                  <a:srgbClr val="404040"/>
+                </a:solidFill>
+                <a:latin typeface="Calibri"/>
+                <a:ea typeface="Calibri"/>
+                <a:cs typeface="Calibri"/>
+                <a:sym typeface="Calibri"/>
+              </a:rPr>
+              <a:t>knitr</a:t>
+            </a:r>
             <a:endParaRPr sz="2400" b="0" i="0" u="none" strike="noStrike" cap="none" dirty="0">
               <a:solidFill>
                 <a:srgbClr val="404040"/>
@@ -28601,7 +28653,7 @@
               <a:buChar char="•"/>
             </a:pPr>
             <a:r>
-              <a:rPr lang="en-US" sz="2400" b="0" i="0" u="none" strike="noStrike" cap="none">
+              <a:rPr lang="en-US" sz="2400" b="0" i="0" u="none" strike="noStrike" cap="none" dirty="0">
                 <a:solidFill>
                   <a:srgbClr val="404040"/>
                 </a:solidFill>
@@ -28610,19 +28662,7 @@
                 <a:cs typeface="Calibri"/>
                 <a:sym typeface="Calibri"/>
               </a:rPr>
-              <a:t>Make </a:t>
-            </a:r>
-            <a:r>
-              <a:rPr lang="en-US" sz="2400" b="0" i="0" u="none" strike="noStrike" cap="none" dirty="0">
-                <a:solidFill>
-                  <a:srgbClr val="404040"/>
-                </a:solidFill>
-                <a:latin typeface="Calibri"/>
-                <a:ea typeface="Calibri"/>
-                <a:cs typeface="Calibri"/>
-                <a:sym typeface="Calibri"/>
-              </a:rPr>
-              <a:t>Visually Stunning Pictures that Change Lives</a:t>
+              <a:t>Make Visually Stunning Pictures that Change Lives</a:t>
             </a:r>
             <a:endParaRPr sz="2000" b="0" i="0" u="none" strike="noStrike" cap="none" dirty="0">
               <a:solidFill>
@@ -28850,7 +28890,7 @@
               <a:buChar char="•"/>
             </a:pPr>
             <a:r>
-              <a:rPr lang="en-US" sz="2400" b="0" i="0" u="none" strike="noStrike" cap="none">
+              <a:rPr lang="en-US" sz="2400" b="0" i="0" u="none" strike="noStrike" cap="none" dirty="0">
                 <a:solidFill>
                   <a:srgbClr val="404040"/>
                 </a:solidFill>
@@ -28859,9 +28899,33 @@
                 <a:cs typeface="Calibri"/>
                 <a:sym typeface="Calibri"/>
               </a:rPr>
-              <a:t>Install Tidyverse Package</a:t>
+              <a:t>Install </a:t>
             </a:r>
-            <a:endParaRPr/>
+            <a:r>
+              <a:rPr lang="en-US" sz="2400" b="0" i="0" u="none" strike="noStrike" cap="none" dirty="0" err="1">
+                <a:solidFill>
+                  <a:srgbClr val="404040"/>
+                </a:solidFill>
+                <a:latin typeface="Calibri"/>
+                <a:ea typeface="Calibri"/>
+                <a:cs typeface="Calibri"/>
+                <a:sym typeface="Calibri"/>
+              </a:rPr>
+              <a:t>Tidyverse</a:t>
+            </a:r>
+            <a:r>
+              <a:rPr lang="en-US" sz="2400" b="0" i="0" u="none" strike="noStrike" cap="none" dirty="0">
+                <a:solidFill>
+                  <a:srgbClr val="404040"/>
+                </a:solidFill>
+                <a:latin typeface="Calibri"/>
+                <a:ea typeface="Calibri"/>
+                <a:cs typeface="Calibri"/>
+                <a:sym typeface="Calibri"/>
+              </a:rPr>
+              <a:t> Package</a:t>
+            </a:r>
+            <a:endParaRPr dirty="0"/>
           </a:p>
           <a:p>
             <a:pPr marL="114300" marR="0" lvl="0" indent="0" algn="l" rtl="0">
@@ -28881,7 +28945,7 @@
               <a:buFont typeface="Arial"/>
               <a:buNone/>
             </a:pPr>
-            <a:endParaRPr sz="2400" b="0" i="0" u="none" strike="noStrike" cap="none">
+            <a:endParaRPr sz="2400" b="0" i="0" u="none" strike="noStrike" cap="none" dirty="0">
               <a:solidFill>
                 <a:srgbClr val="404040"/>
               </a:solidFill>
@@ -28909,7 +28973,7 @@
               <a:buFont typeface="Arial"/>
               <a:buNone/>
             </a:pPr>
-            <a:endParaRPr sz="2400" b="0" i="0" u="none" strike="noStrike" cap="none">
+            <a:endParaRPr sz="2400" b="0" i="0" u="none" strike="noStrike" cap="none" dirty="0">
               <a:solidFill>
                 <a:srgbClr val="404040"/>
               </a:solidFill>
@@ -28938,98 +29002,17 @@
               <a:buChar char="•"/>
             </a:pPr>
             <a:r>
-              <a:rPr lang="en-US" sz="2400" b="0" i="0" u="none" strike="noStrike" cap="none">
+              <a:rPr lang="en-US" sz="2400" dirty="0">
                 <a:solidFill>
                   <a:srgbClr val="404040"/>
                 </a:solidFill>
                 <a:latin typeface="Calibri"/>
-                <a:ea typeface="Calibri"/>
                 <a:cs typeface="Calibri"/>
                 <a:sym typeface="Calibri"/>
               </a:rPr>
-              <a:t>Other Packages To Be Installed</a:t>
+              <a:t>Try Installing Other Packages Using Dropdown Menu</a:t>
             </a:r>
-            <a:endParaRPr/>
-          </a:p>
-          <a:p>
-            <a:pPr marL="742950" marR="0" lvl="1" indent="-228600" algn="l" rtl="0">
-              <a:lnSpc>
-                <a:spcPct val="90000"/>
-              </a:lnSpc>
-              <a:spcBef>
-                <a:spcPts val="480"/>
-              </a:spcBef>
-              <a:spcAft>
-                <a:spcPts val="0"/>
-              </a:spcAft>
-              <a:buClr>
-                <a:srgbClr val="404040"/>
-              </a:buClr>
-              <a:buSzPts val="2400"/>
-              <a:buFont typeface="Arial"/>
-              <a:buChar char="•"/>
-            </a:pPr>
-            <a:r>
-              <a:rPr lang="en-US" sz="2400" b="0" i="0" u="none" strike="noStrike" cap="none">
-                <a:solidFill>
-                  <a:srgbClr val="404040"/>
-                </a:solidFill>
-                <a:latin typeface="Calibri"/>
-                <a:ea typeface="Calibri"/>
-                <a:cs typeface="Calibri"/>
-                <a:sym typeface="Calibri"/>
-              </a:rPr>
-              <a:t>RColorBrewer</a:t>
-            </a:r>
-            <a:endParaRPr sz="2400" b="0" i="0" u="none" strike="noStrike" cap="none">
-              <a:solidFill>
-                <a:srgbClr val="404040"/>
-              </a:solidFill>
-              <a:latin typeface="Calibri"/>
-              <a:ea typeface="Calibri"/>
-              <a:cs typeface="Calibri"/>
-              <a:sym typeface="Calibri"/>
-            </a:endParaRPr>
-          </a:p>
-          <a:p>
-            <a:pPr marL="742950" marR="0" lvl="1" indent="-228600" algn="l" rtl="0">
-              <a:lnSpc>
-                <a:spcPct val="90000"/>
-              </a:lnSpc>
-              <a:spcBef>
-                <a:spcPts val="480"/>
-              </a:spcBef>
-              <a:spcAft>
-                <a:spcPts val="0"/>
-              </a:spcAft>
-              <a:buClr>
-                <a:srgbClr val="404040"/>
-              </a:buClr>
-              <a:buSzPts val="2400"/>
-              <a:buFont typeface="Arial"/>
-              <a:buChar char="•"/>
-            </a:pPr>
-            <a:r>
-              <a:rPr lang="en-US" sz="2400" b="0" i="0" u="none" strike="noStrike" cap="none">
-                <a:solidFill>
-                  <a:srgbClr val="404040"/>
-                </a:solidFill>
-                <a:latin typeface="Calibri"/>
-                <a:ea typeface="Calibri"/>
-                <a:cs typeface="Calibri"/>
-                <a:sym typeface="Calibri"/>
-              </a:rPr>
-              <a:t>Rmarkdown</a:t>
-            </a:r>
-            <a:endParaRPr sz="2400" b="0" i="0" u="none" strike="noStrike" cap="none">
-              <a:solidFill>
-                <a:srgbClr val="404040"/>
-              </a:solidFill>
-              <a:latin typeface="Calibri"/>
-              <a:ea typeface="Calibri"/>
-              <a:cs typeface="Calibri"/>
-              <a:sym typeface="Calibri"/>
-            </a:endParaRPr>
+            <a:endParaRPr dirty="0"/>
           </a:p>
         </p:txBody>
       </p:sp>
